--- a/2018-05-07 a 2018-05-11 1aAvaliacaoAndamento(ppt) tabela banco e scripts de populacao de dados exempo/WW Sistemas.pptx
+++ b/2018-05-07 a 2018-05-11 1aAvaliacaoAndamento(ppt) tabela banco e scripts de populacao de dados exempo/WW Sistemas.pptx
@@ -4547,9 +4547,10 @@
           <a:p>
             <a:pPr lvl="1" algn="just" eaLnBrk="1" hangingPunct="1"/>
             <a:r>
-              <a:rPr lang="pt-BR" altLang="x-none" sz="1600" dirty="0"/>
-              <a:t>Conforme o cronograma ainda não chegamos nessa etapa;</a:t>
-            </a:r>
+              <a:rPr lang="pt-BR" altLang="x-none" sz="1600"/>
+              <a:t>Em desenvolvimento;</a:t>
+            </a:r>
+            <a:endParaRPr lang="pt-BR" altLang="x-none" sz="1600" dirty="0"/>
           </a:p>
           <a:p>
             <a:pPr algn="just" eaLnBrk="1" hangingPunct="1"/>
@@ -4776,11 +4777,7 @@
             <a:pPr eaLnBrk="1" hangingPunct="1"/>
             <a:r>
               <a:rPr lang="pt-BR" sz="2000" dirty="0"/>
-              <a:t>RNF 04 - O sistema deve utilizar banco de dados MySQL</a:t>
-            </a:r>
-            <a:r>
-              <a:rPr lang="pt-BR" i="1" dirty="0"/>
-              <a:t>;</a:t>
+              <a:t>RNF 04 - O sistema deve utilizar banco de dados MySQL;</a:t>
             </a:r>
           </a:p>
           <a:p>
